--- a/OfficeAddin/02 Building Add-ins for Microsoft Excel/03 Dialogs in Excel Add-ins.pptx
+++ b/OfficeAddin/02 Building Add-ins for Microsoft Excel/03 Dialogs in Excel Add-ins.pptx
@@ -259,7 +259,7 @@
               <a:rPr lang="en-US" smtClean="0">
                 <a:latin typeface="Segoe UI" pitchFamily="34" charset="0"/>
               </a:rPr>
-              <a:t>6/8/18 1:54 PM</a:t>
+              <a:t>9/17/18 3:44 PM</a:t>
             </a:fld>
             <a:endParaRPr lang="en-US" dirty="0">
               <a:latin typeface="Segoe UI" pitchFamily="34" charset="0"/>
@@ -553,7 +553,7 @@
           <a:p>
             <a:fld id="{D18B56EA-E28F-4F92-9F16-7A6F2501B303}" type="datetime8">
               <a:rPr lang="en-US" smtClean="0"/>
-              <a:t>6/8/18 1:54 PM</a:t>
+              <a:t>9/17/18 3:44 PM</a:t>
             </a:fld>
             <a:endParaRPr lang="en-US" dirty="0"/>
           </a:p>
@@ -1041,7 +1041,7 @@
                 <a:tabLst/>
                 <a:defRPr/>
               </a:pPr>
-              <a:t>6/8/18 1:54 PM</a:t>
+              <a:t>9/17/18 3:44 PM</a:t>
             </a:fld>
             <a:endParaRPr kumimoji="0" lang="en-US" sz="1200" b="0" i="0" u="none" strike="noStrike" kern="1200" cap="none" spc="0" normalizeH="0" baseline="0" noProof="0" dirty="0">
               <a:ln>
@@ -1399,7 +1399,7 @@
                 <a:tabLst/>
                 <a:defRPr/>
               </a:pPr>
-              <a:t>6/8/18 1:54 PM</a:t>
+              <a:t>9/17/18 3:44 PM</a:t>
             </a:fld>
             <a:endParaRPr kumimoji="0" lang="en-US" sz="1200" b="0" i="0" u="none" strike="noStrike" kern="1200" cap="none" spc="0" normalizeH="0" baseline="0" noProof="0" dirty="0">
               <a:ln>
@@ -1760,7 +1760,7 @@
           <a:p>
             <a:fld id="{D18B56EA-E28F-4F92-9F16-7A6F2501B303}" type="datetime8">
               <a:rPr lang="en-US" smtClean="0"/>
-              <a:t>6/8/18 1:54 PM</a:t>
+              <a:t>9/17/18 3:44 PM</a:t>
             </a:fld>
             <a:endParaRPr lang="en-US" dirty="0"/>
           </a:p>
@@ -2024,7 +2024,7 @@
           <a:p>
             <a:fld id="{D18B56EA-E28F-4F92-9F16-7A6F2501B303}" type="datetime8">
               <a:rPr lang="en-US" smtClean="0"/>
-              <a:t>6/8/18 1:54 PM</a:t>
+              <a:t>9/17/18 3:44 PM</a:t>
             </a:fld>
             <a:endParaRPr lang="en-US" dirty="0"/>
           </a:p>
@@ -2434,7 +2434,7 @@
           <a:p>
             <a:fld id="{D18B56EA-E28F-4F92-9F16-7A6F2501B303}" type="datetime8">
               <a:rPr lang="en-US" smtClean="0"/>
-              <a:t>6/8/18 1:54 PM</a:t>
+              <a:t>9/17/18 3:44 PM</a:t>
             </a:fld>
             <a:endParaRPr lang="en-US" dirty="0"/>
           </a:p>
@@ -3149,7 +3149,7 @@
           <a:p>
             <a:fld id="{D18B56EA-E28F-4F92-9F16-7A6F2501B303}" type="datetime8">
               <a:rPr lang="en-US" smtClean="0"/>
-              <a:t>6/8/18 1:54 PM</a:t>
+              <a:t>9/17/18 3:44 PM</a:t>
             </a:fld>
             <a:endParaRPr lang="en-US" dirty="0"/>
           </a:p>
@@ -3330,7 +3330,7 @@
           <a:p>
             <a:fld id="{D18B56EA-E28F-4F92-9F16-7A6F2501B303}" type="datetime8">
               <a:rPr lang="en-US" smtClean="0"/>
-              <a:t>6/8/18 1:54 PM</a:t>
+              <a:t>9/17/18 3:44 PM</a:t>
             </a:fld>
             <a:endParaRPr lang="en-US" dirty="0"/>
           </a:p>
@@ -3511,7 +3511,7 @@
           <a:p>
             <a:fld id="{D18B56EA-E28F-4F92-9F16-7A6F2501B303}" type="datetime8">
               <a:rPr lang="en-US" smtClean="0"/>
-              <a:t>6/8/18 1:54 PM</a:t>
+              <a:t>9/17/18 3:44 PM</a:t>
             </a:fld>
             <a:endParaRPr lang="en-US" dirty="0"/>
           </a:p>
@@ -3692,7 +3692,7 @@
           <a:p>
             <a:fld id="{D18B56EA-E28F-4F92-9F16-7A6F2501B303}" type="datetime8">
               <a:rPr lang="en-US" smtClean="0"/>
-              <a:t>6/8/18 1:54 PM</a:t>
+              <a:t>9/17/18 3:44 PM</a:t>
             </a:fld>
             <a:endParaRPr lang="en-US" dirty="0"/>
           </a:p>
@@ -14941,7 +14941,7 @@
         <p:spPr>
           <a:xfrm>
             <a:off x="465139" y="4191128"/>
-            <a:ext cx="3412380" cy="1477328"/>
+            <a:ext cx="3412380" cy="1754326"/>
           </a:xfrm>
           <a:prstGeom prst="rect">
             <a:avLst/>
@@ -14963,15 +14963,7 @@
             </a:r>
             <a:r>
               <a:rPr lang="en-US" dirty="0"/>
-              <a:t> party providers, where app domains might not be predictable or </a:t>
-            </a:r>
-            <a:r>
-              <a:rPr lang="en-US" dirty="0" err="1"/>
-              <a:t>framable</a:t>
-            </a:r>
-            <a:r>
-              <a:rPr lang="en-US" dirty="0"/>
-              <a:t>.</a:t>
+              <a:t> party providers, where app domains might not be predictable or displayable in a frame.</a:t>
             </a:r>
           </a:p>
         </p:txBody>
@@ -18930,17 +18922,8 @@
               <a:rPr lang="en-US" sz="1800" dirty="0">
                 <a:latin typeface="+mj-lt"/>
               </a:rPr>
-              <a:t>Use the Dialog API in your </a:t>
-            </a:r>
-            <a:r>
-              <a:rPr lang="en-US" sz="1800">
-                <a:latin typeface="+mj-lt"/>
-              </a:rPr>
-              <a:t>Office Add-in</a:t>
-            </a:r>
-            <a:endParaRPr lang="en-US" sz="1800" dirty="0">
-              <a:latin typeface="+mj-lt"/>
-            </a:endParaRPr>
+              <a:t>Use the Dialog API in your Office Add-in</a:t>
+            </a:r>
           </a:p>
           <a:p>
             <a:pPr marL="342900" lvl="0" indent="-342900" defTabSz="914400">
@@ -18953,12 +18936,12 @@
               <a:buSzTx/>
             </a:pPr>
             <a:r>
-              <a:rPr lang="en-US" sz="1600" dirty="0">
+              <a:rPr lang="en-US" sz="1800" dirty="0">
                 <a:hlinkClick r:id="rId6"/>
               </a:rPr>
               <a:t>https://docs.microsoft.com/en-us/office/dev/add-ins/develop/dialog-api-in-office-add-ins#handle-errors-and-events</a:t>
             </a:r>
-            <a:endParaRPr lang="en-US" sz="1600" dirty="0"/>
+            <a:endParaRPr lang="en-US" sz="1800" dirty="0"/>
           </a:p>
           <a:p>
             <a:pPr marL="342900" lvl="0" indent="-342900" defTabSz="914400">

--- a/OfficeAddin/02 Building Add-ins for Microsoft Excel/03 Dialogs in Excel Add-ins.pptx
+++ b/OfficeAddin/02 Building Add-ins for Microsoft Excel/03 Dialogs in Excel Add-ins.pptx
@@ -259,7 +259,7 @@
               <a:rPr lang="en-US" smtClean="0">
                 <a:latin typeface="Segoe UI" pitchFamily="34" charset="0"/>
               </a:rPr>
-              <a:t>9/17/18 3:44 PM</a:t>
+              <a:t>3/4/19 8:29 PM</a:t>
             </a:fld>
             <a:endParaRPr lang="en-US" dirty="0">
               <a:latin typeface="Segoe UI" pitchFamily="34" charset="0"/>
@@ -553,7 +553,7 @@
           <a:p>
             <a:fld id="{D18B56EA-E28F-4F92-9F16-7A6F2501B303}" type="datetime8">
               <a:rPr lang="en-US" smtClean="0"/>
-              <a:t>9/17/18 3:44 PM</a:t>
+              <a:t>3/4/19 8:29 PM</a:t>
             </a:fld>
             <a:endParaRPr lang="en-US" dirty="0"/>
           </a:p>
@@ -1041,7 +1041,7 @@
                 <a:tabLst/>
                 <a:defRPr/>
               </a:pPr>
-              <a:t>9/17/18 3:44 PM</a:t>
+              <a:t>3/4/19 8:29 PM</a:t>
             </a:fld>
             <a:endParaRPr kumimoji="0" lang="en-US" sz="1200" b="0" i="0" u="none" strike="noStrike" kern="1200" cap="none" spc="0" normalizeH="0" baseline="0" noProof="0" dirty="0">
               <a:ln>
@@ -1399,7 +1399,7 @@
                 <a:tabLst/>
                 <a:defRPr/>
               </a:pPr>
-              <a:t>9/17/18 3:44 PM</a:t>
+              <a:t>3/4/19 8:29 PM</a:t>
             </a:fld>
             <a:endParaRPr kumimoji="0" lang="en-US" sz="1200" b="0" i="0" u="none" strike="noStrike" kern="1200" cap="none" spc="0" normalizeH="0" baseline="0" noProof="0" dirty="0">
               <a:ln>
@@ -1760,7 +1760,7 @@
           <a:p>
             <a:fld id="{D18B56EA-E28F-4F92-9F16-7A6F2501B303}" type="datetime8">
               <a:rPr lang="en-US" smtClean="0"/>
-              <a:t>9/17/18 3:44 PM</a:t>
+              <a:t>3/4/19 8:29 PM</a:t>
             </a:fld>
             <a:endParaRPr lang="en-US" dirty="0"/>
           </a:p>
@@ -2024,7 +2024,7 @@
           <a:p>
             <a:fld id="{D18B56EA-E28F-4F92-9F16-7A6F2501B303}" type="datetime8">
               <a:rPr lang="en-US" smtClean="0"/>
-              <a:t>9/17/18 3:44 PM</a:t>
+              <a:t>3/4/19 8:29 PM</a:t>
             </a:fld>
             <a:endParaRPr lang="en-US" dirty="0"/>
           </a:p>
@@ -2434,7 +2434,7 @@
           <a:p>
             <a:fld id="{D18B56EA-E28F-4F92-9F16-7A6F2501B303}" type="datetime8">
               <a:rPr lang="en-US" smtClean="0"/>
-              <a:t>9/17/18 3:44 PM</a:t>
+              <a:t>3/4/19 8:29 PM</a:t>
             </a:fld>
             <a:endParaRPr lang="en-US" dirty="0"/>
           </a:p>
@@ -3149,7 +3149,7 @@
           <a:p>
             <a:fld id="{D18B56EA-E28F-4F92-9F16-7A6F2501B303}" type="datetime8">
               <a:rPr lang="en-US" smtClean="0"/>
-              <a:t>9/17/18 3:44 PM</a:t>
+              <a:t>3/4/19 8:29 PM</a:t>
             </a:fld>
             <a:endParaRPr lang="en-US" dirty="0"/>
           </a:p>
@@ -3330,7 +3330,7 @@
           <a:p>
             <a:fld id="{D18B56EA-E28F-4F92-9F16-7A6F2501B303}" type="datetime8">
               <a:rPr lang="en-US" smtClean="0"/>
-              <a:t>9/17/18 3:44 PM</a:t>
+              <a:t>3/4/19 8:29 PM</a:t>
             </a:fld>
             <a:endParaRPr lang="en-US" dirty="0"/>
           </a:p>
@@ -3511,7 +3511,7 @@
           <a:p>
             <a:fld id="{D18B56EA-E28F-4F92-9F16-7A6F2501B303}" type="datetime8">
               <a:rPr lang="en-US" smtClean="0"/>
-              <a:t>9/17/18 3:44 PM</a:t>
+              <a:t>3/4/19 8:29 PM</a:t>
             </a:fld>
             <a:endParaRPr lang="en-US" dirty="0"/>
           </a:p>
@@ -3692,7 +3692,7 @@
           <a:p>
             <a:fld id="{D18B56EA-E28F-4F92-9F16-7A6F2501B303}" type="datetime8">
               <a:rPr lang="en-US" smtClean="0"/>
-              <a:t>9/17/18 3:44 PM</a:t>
+              <a:t>3/4/19 8:29 PM</a:t>
             </a:fld>
             <a:endParaRPr lang="en-US" dirty="0"/>
           </a:p>

--- a/OfficeAddin/02 Building Add-ins for Microsoft Excel/03 Dialogs in Excel Add-ins.pptx
+++ b/OfficeAddin/02 Building Add-ins for Microsoft Excel/03 Dialogs in Excel Add-ins.pptx
@@ -259,7 +259,7 @@
               <a:rPr lang="en-US" smtClean="0">
                 <a:latin typeface="Segoe UI" pitchFamily="34" charset="0"/>
               </a:rPr>
-              <a:t>3/4/19 8:29 PM</a:t>
+              <a:t>6/6/19 9:32 PM</a:t>
             </a:fld>
             <a:endParaRPr lang="en-US" dirty="0">
               <a:latin typeface="Segoe UI" pitchFamily="34" charset="0"/>
@@ -553,7 +553,7 @@
           <a:p>
             <a:fld id="{D18B56EA-E28F-4F92-9F16-7A6F2501B303}" type="datetime8">
               <a:rPr lang="en-US" smtClean="0"/>
-              <a:t>3/4/19 8:29 PM</a:t>
+              <a:t>6/6/19 9:32 PM</a:t>
             </a:fld>
             <a:endParaRPr lang="en-US" dirty="0"/>
           </a:p>
@@ -1041,7 +1041,7 @@
                 <a:tabLst/>
                 <a:defRPr/>
               </a:pPr>
-              <a:t>3/4/19 8:29 PM</a:t>
+              <a:t>6/6/19 9:32 PM</a:t>
             </a:fld>
             <a:endParaRPr kumimoji="0" lang="en-US" sz="1200" b="0" i="0" u="none" strike="noStrike" kern="1200" cap="none" spc="0" normalizeH="0" baseline="0" noProof="0" dirty="0">
               <a:ln>
@@ -1399,7 +1399,7 @@
                 <a:tabLst/>
                 <a:defRPr/>
               </a:pPr>
-              <a:t>3/4/19 8:29 PM</a:t>
+              <a:t>6/6/19 9:32 PM</a:t>
             </a:fld>
             <a:endParaRPr kumimoji="0" lang="en-US" sz="1200" b="0" i="0" u="none" strike="noStrike" kern="1200" cap="none" spc="0" normalizeH="0" baseline="0" noProof="0" dirty="0">
               <a:ln>
@@ -1760,7 +1760,7 @@
           <a:p>
             <a:fld id="{D18B56EA-E28F-4F92-9F16-7A6F2501B303}" type="datetime8">
               <a:rPr lang="en-US" smtClean="0"/>
-              <a:t>3/4/19 8:29 PM</a:t>
+              <a:t>6/6/19 9:32 PM</a:t>
             </a:fld>
             <a:endParaRPr lang="en-US" dirty="0"/>
           </a:p>
@@ -2024,7 +2024,7 @@
           <a:p>
             <a:fld id="{D18B56EA-E28F-4F92-9F16-7A6F2501B303}" type="datetime8">
               <a:rPr lang="en-US" smtClean="0"/>
-              <a:t>3/4/19 8:29 PM</a:t>
+              <a:t>6/6/19 9:32 PM</a:t>
             </a:fld>
             <a:endParaRPr lang="en-US" dirty="0"/>
           </a:p>
@@ -2434,7 +2434,7 @@
           <a:p>
             <a:fld id="{D18B56EA-E28F-4F92-9F16-7A6F2501B303}" type="datetime8">
               <a:rPr lang="en-US" smtClean="0"/>
-              <a:t>3/4/19 8:29 PM</a:t>
+              <a:t>6/6/19 9:32 PM</a:t>
             </a:fld>
             <a:endParaRPr lang="en-US" dirty="0"/>
           </a:p>
@@ -3149,7 +3149,7 @@
           <a:p>
             <a:fld id="{D18B56EA-E28F-4F92-9F16-7A6F2501B303}" type="datetime8">
               <a:rPr lang="en-US" smtClean="0"/>
-              <a:t>3/4/19 8:29 PM</a:t>
+              <a:t>6/6/19 9:32 PM</a:t>
             </a:fld>
             <a:endParaRPr lang="en-US" dirty="0"/>
           </a:p>
@@ -3330,7 +3330,7 @@
           <a:p>
             <a:fld id="{D18B56EA-E28F-4F92-9F16-7A6F2501B303}" type="datetime8">
               <a:rPr lang="en-US" smtClean="0"/>
-              <a:t>3/4/19 8:29 PM</a:t>
+              <a:t>6/6/19 9:32 PM</a:t>
             </a:fld>
             <a:endParaRPr lang="en-US" dirty="0"/>
           </a:p>
@@ -3511,7 +3511,7 @@
           <a:p>
             <a:fld id="{D18B56EA-E28F-4F92-9F16-7A6F2501B303}" type="datetime8">
               <a:rPr lang="en-US" smtClean="0"/>
-              <a:t>3/4/19 8:29 PM</a:t>
+              <a:t>6/6/19 9:32 PM</a:t>
             </a:fld>
             <a:endParaRPr lang="en-US" dirty="0"/>
           </a:p>
@@ -3692,7 +3692,7 @@
           <a:p>
             <a:fld id="{D18B56EA-E28F-4F92-9F16-7A6F2501B303}" type="datetime8">
               <a:rPr lang="en-US" smtClean="0"/>
-              <a:t>3/4/19 8:29 PM</a:t>
+              <a:t>6/6/19 9:32 PM</a:t>
             </a:fld>
             <a:endParaRPr lang="en-US" dirty="0"/>
           </a:p>
@@ -13988,7 +13988,7 @@
       </a:lvl9pPr>
     </p:otherStyle>
   </p:txStyles>
-  <p:extLst mod="1">
+  <p:extLst>
     <p:ext uri="{27BBF7A9-308A-43DC-89C8-2F10F3537804}">
       <p15:sldGuideLst xmlns:p15="http://schemas.microsoft.com/office/powerpoint/2012/main">
         <p15:guide id="3" pos="1381" userDrawn="1">
@@ -18739,7 +18739,7 @@
         <p:spPr>
           <a:xfrm>
             <a:off x="465138" y="1930734"/>
-            <a:ext cx="11533187" cy="4431983"/>
+            <a:ext cx="11533187" cy="4739759"/>
           </a:xfrm>
         </p:spPr>
         <p:txBody>

--- a/OfficeAddin/02 Building Add-ins for Microsoft Excel/03 Dialogs in Excel Add-ins.pptx
+++ b/OfficeAddin/02 Building Add-ins for Microsoft Excel/03 Dialogs in Excel Add-ins.pptx
@@ -259,7 +259,7 @@
               <a:rPr lang="en-US" smtClean="0">
                 <a:latin typeface="Segoe UI" pitchFamily="34" charset="0"/>
               </a:rPr>
-              <a:t>6/6/19 9:32 PM</a:t>
+              <a:t>9/8/19 8:21 PM</a:t>
             </a:fld>
             <a:endParaRPr lang="en-US" dirty="0">
               <a:latin typeface="Segoe UI" pitchFamily="34" charset="0"/>
@@ -553,7 +553,7 @@
           <a:p>
             <a:fld id="{D18B56EA-E28F-4F92-9F16-7A6F2501B303}" type="datetime8">
               <a:rPr lang="en-US" smtClean="0"/>
-              <a:t>6/6/19 9:32 PM</a:t>
+              <a:t>9/8/19 8:21 PM</a:t>
             </a:fld>
             <a:endParaRPr lang="en-US" dirty="0"/>
           </a:p>
@@ -1041,7 +1041,7 @@
                 <a:tabLst/>
                 <a:defRPr/>
               </a:pPr>
-              <a:t>6/6/19 9:32 PM</a:t>
+              <a:t>9/8/19 8:21 PM</a:t>
             </a:fld>
             <a:endParaRPr kumimoji="0" lang="en-US" sz="1200" b="0" i="0" u="none" strike="noStrike" kern="1200" cap="none" spc="0" normalizeH="0" baseline="0" noProof="0" dirty="0">
               <a:ln>
@@ -1399,7 +1399,7 @@
                 <a:tabLst/>
                 <a:defRPr/>
               </a:pPr>
-              <a:t>6/6/19 9:32 PM</a:t>
+              <a:t>9/8/19 8:21 PM</a:t>
             </a:fld>
             <a:endParaRPr kumimoji="0" lang="en-US" sz="1200" b="0" i="0" u="none" strike="noStrike" kern="1200" cap="none" spc="0" normalizeH="0" baseline="0" noProof="0" dirty="0">
               <a:ln>
@@ -1760,7 +1760,7 @@
           <a:p>
             <a:fld id="{D18B56EA-E28F-4F92-9F16-7A6F2501B303}" type="datetime8">
               <a:rPr lang="en-US" smtClean="0"/>
-              <a:t>6/6/19 9:32 PM</a:t>
+              <a:t>9/8/19 8:21 PM</a:t>
             </a:fld>
             <a:endParaRPr lang="en-US" dirty="0"/>
           </a:p>
@@ -2024,7 +2024,7 @@
           <a:p>
             <a:fld id="{D18B56EA-E28F-4F92-9F16-7A6F2501B303}" type="datetime8">
               <a:rPr lang="en-US" smtClean="0"/>
-              <a:t>6/6/19 9:32 PM</a:t>
+              <a:t>9/8/19 8:21 PM</a:t>
             </a:fld>
             <a:endParaRPr lang="en-US" dirty="0"/>
           </a:p>
@@ -2434,7 +2434,7 @@
           <a:p>
             <a:fld id="{D18B56EA-E28F-4F92-9F16-7A6F2501B303}" type="datetime8">
               <a:rPr lang="en-US" smtClean="0"/>
-              <a:t>6/6/19 9:32 PM</a:t>
+              <a:t>9/8/19 8:21 PM</a:t>
             </a:fld>
             <a:endParaRPr lang="en-US" dirty="0"/>
           </a:p>
@@ -3149,7 +3149,7 @@
           <a:p>
             <a:fld id="{D18B56EA-E28F-4F92-9F16-7A6F2501B303}" type="datetime8">
               <a:rPr lang="en-US" smtClean="0"/>
-              <a:t>6/6/19 9:32 PM</a:t>
+              <a:t>9/8/19 8:21 PM</a:t>
             </a:fld>
             <a:endParaRPr lang="en-US" dirty="0"/>
           </a:p>
@@ -3330,7 +3330,7 @@
           <a:p>
             <a:fld id="{D18B56EA-E28F-4F92-9F16-7A6F2501B303}" type="datetime8">
               <a:rPr lang="en-US" smtClean="0"/>
-              <a:t>6/6/19 9:32 PM</a:t>
+              <a:t>9/8/19 8:24 PM</a:t>
             </a:fld>
             <a:endParaRPr lang="en-US" dirty="0"/>
           </a:p>
@@ -3511,7 +3511,7 @@
           <a:p>
             <a:fld id="{D18B56EA-E28F-4F92-9F16-7A6F2501B303}" type="datetime8">
               <a:rPr lang="en-US" smtClean="0"/>
-              <a:t>6/6/19 9:32 PM</a:t>
+              <a:t>9/8/19 8:21 PM</a:t>
             </a:fld>
             <a:endParaRPr lang="en-US" dirty="0"/>
           </a:p>
@@ -3692,7 +3692,7 @@
           <a:p>
             <a:fld id="{D18B56EA-E28F-4F92-9F16-7A6F2501B303}" type="datetime8">
               <a:rPr lang="en-US" smtClean="0"/>
-              <a:t>6/6/19 9:32 PM</a:t>
+              <a:t>9/8/19 8:21 PM</a:t>
             </a:fld>
             <a:endParaRPr lang="en-US" dirty="0"/>
           </a:p>
@@ -18739,7 +18739,7 @@
         <p:spPr>
           <a:xfrm>
             <a:off x="465138" y="1930734"/>
-            <a:ext cx="11533187" cy="4739759"/>
+            <a:ext cx="11533187" cy="4462760"/>
           </a:xfrm>
         </p:spPr>
         <p:txBody>
@@ -18824,7 +18824,7 @@
               <a:rPr lang="en-US" sz="1800" dirty="0">
                 <a:hlinkClick r:id="rId4"/>
               </a:rPr>
-              <a:t>https://dev.office.com/reference/add-ins/excel/excel-add-ins-reference-overview</a:t>
+              <a:t>https://docs.microsoft.com/en-us/javascript/api/excel?view=excel-js-preview</a:t>
             </a:r>
             <a:endParaRPr lang="en-US" sz="1800" dirty="0"/>
           </a:p>
@@ -18939,7 +18939,13 @@
               <a:rPr lang="en-US" sz="1800" dirty="0">
                 <a:hlinkClick r:id="rId6"/>
               </a:rPr>
-              <a:t>https://docs.microsoft.com/en-us/office/dev/add-ins/develop/dialog-api-in-office-add-ins#handle-errors-and-events</a:t>
+              <a:t>https://docs.microsoft.com/en-us/office/dev/add-ins/develop/dialog-api</a:t>
+            </a:r>
+            <a:r>
+              <a:rPr lang="en-US" sz="1800">
+                <a:hlinkClick r:id="rId6"/>
+              </a:rPr>
+              <a:t>-in-office-add-ins</a:t>
             </a:r>
             <a:endParaRPr lang="en-US" sz="1800" dirty="0"/>
           </a:p>

--- a/OfficeAddin/02 Building Add-ins for Microsoft Excel/03 Dialogs in Excel Add-ins.pptx
+++ b/OfficeAddin/02 Building Add-ins for Microsoft Excel/03 Dialogs in Excel Add-ins.pptx
@@ -259,7 +259,7 @@
               <a:rPr lang="en-US" smtClean="0">
                 <a:latin typeface="Segoe UI" pitchFamily="34" charset="0"/>
               </a:rPr>
-              <a:t>9/8/19 8:21 PM</a:t>
+              <a:t>12/8/19 8:31 PM</a:t>
             </a:fld>
             <a:endParaRPr lang="en-US" dirty="0">
               <a:latin typeface="Segoe UI" pitchFamily="34" charset="0"/>
@@ -553,7 +553,7 @@
           <a:p>
             <a:fld id="{D18B56EA-E28F-4F92-9F16-7A6F2501B303}" type="datetime8">
               <a:rPr lang="en-US" smtClean="0"/>
-              <a:t>9/8/19 8:21 PM</a:t>
+              <a:t>12/8/19 8:31 PM</a:t>
             </a:fld>
             <a:endParaRPr lang="en-US" dirty="0"/>
           </a:p>
@@ -1041,7 +1041,7 @@
                 <a:tabLst/>
                 <a:defRPr/>
               </a:pPr>
-              <a:t>9/8/19 8:21 PM</a:t>
+              <a:t>12/8/19 8:31 PM</a:t>
             </a:fld>
             <a:endParaRPr kumimoji="0" lang="en-US" sz="1200" b="0" i="0" u="none" strike="noStrike" kern="1200" cap="none" spc="0" normalizeH="0" baseline="0" noProof="0" dirty="0">
               <a:ln>
@@ -1399,7 +1399,7 @@
                 <a:tabLst/>
                 <a:defRPr/>
               </a:pPr>
-              <a:t>9/8/19 8:21 PM</a:t>
+              <a:t>12/8/19 8:31 PM</a:t>
             </a:fld>
             <a:endParaRPr kumimoji="0" lang="en-US" sz="1200" b="0" i="0" u="none" strike="noStrike" kern="1200" cap="none" spc="0" normalizeH="0" baseline="0" noProof="0" dirty="0">
               <a:ln>
@@ -1760,7 +1760,7 @@
           <a:p>
             <a:fld id="{D18B56EA-E28F-4F92-9F16-7A6F2501B303}" type="datetime8">
               <a:rPr lang="en-US" smtClean="0"/>
-              <a:t>9/8/19 8:21 PM</a:t>
+              <a:t>12/8/19 8:31 PM</a:t>
             </a:fld>
             <a:endParaRPr lang="en-US" dirty="0"/>
           </a:p>
@@ -2024,7 +2024,7 @@
           <a:p>
             <a:fld id="{D18B56EA-E28F-4F92-9F16-7A6F2501B303}" type="datetime8">
               <a:rPr lang="en-US" smtClean="0"/>
-              <a:t>9/8/19 8:21 PM</a:t>
+              <a:t>12/8/19 8:31 PM</a:t>
             </a:fld>
             <a:endParaRPr lang="en-US" dirty="0"/>
           </a:p>
@@ -2434,7 +2434,7 @@
           <a:p>
             <a:fld id="{D18B56EA-E28F-4F92-9F16-7A6F2501B303}" type="datetime8">
               <a:rPr lang="en-US" smtClean="0"/>
-              <a:t>9/8/19 8:21 PM</a:t>
+              <a:t>12/8/19 8:31 PM</a:t>
             </a:fld>
             <a:endParaRPr lang="en-US" dirty="0"/>
           </a:p>
@@ -3149,7 +3149,7 @@
           <a:p>
             <a:fld id="{D18B56EA-E28F-4F92-9F16-7A6F2501B303}" type="datetime8">
               <a:rPr lang="en-US" smtClean="0"/>
-              <a:t>9/8/19 8:21 PM</a:t>
+              <a:t>12/8/19 8:31 PM</a:t>
             </a:fld>
             <a:endParaRPr lang="en-US" dirty="0"/>
           </a:p>
@@ -3330,7 +3330,7 @@
           <a:p>
             <a:fld id="{D18B56EA-E28F-4F92-9F16-7A6F2501B303}" type="datetime8">
               <a:rPr lang="en-US" smtClean="0"/>
-              <a:t>9/8/19 8:24 PM</a:t>
+              <a:t>12/8/19 8:31 PM</a:t>
             </a:fld>
             <a:endParaRPr lang="en-US" dirty="0"/>
           </a:p>
@@ -3511,7 +3511,7 @@
           <a:p>
             <a:fld id="{D18B56EA-E28F-4F92-9F16-7A6F2501B303}" type="datetime8">
               <a:rPr lang="en-US" smtClean="0"/>
-              <a:t>9/8/19 8:21 PM</a:t>
+              <a:t>12/8/19 8:31 PM</a:t>
             </a:fld>
             <a:endParaRPr lang="en-US" dirty="0"/>
           </a:p>
@@ -3692,7 +3692,7 @@
           <a:p>
             <a:fld id="{D18B56EA-E28F-4F92-9F16-7A6F2501B303}" type="datetime8">
               <a:rPr lang="en-US" smtClean="0"/>
-              <a:t>9/8/19 8:21 PM</a:t>
+              <a:t>12/8/19 8:31 PM</a:t>
             </a:fld>
             <a:endParaRPr lang="en-US" dirty="0"/>
           </a:p>
@@ -19024,9 +19024,10 @@
           <a:lstStyle/>
           <a:p>
             <a:r>
-              <a:rPr lang="en-US" dirty="0"/>
-              <a:t>Thank you</a:t>
-            </a:r>
+              <a:rPr lang="en-US"/>
+              <a:t>Thank you </a:t>
+            </a:r>
+            <a:endParaRPr lang="en-US" dirty="0"/>
           </a:p>
         </p:txBody>
       </p:sp>

--- a/OfficeAddin/02 Building Add-ins for Microsoft Excel/03 Dialogs in Excel Add-ins.pptx
+++ b/OfficeAddin/02 Building Add-ins for Microsoft Excel/03 Dialogs in Excel Add-ins.pptx
@@ -259,7 +259,7 @@
               <a:rPr lang="en-US" smtClean="0">
                 <a:latin typeface="Segoe UI" pitchFamily="34" charset="0"/>
               </a:rPr>
-              <a:t>12/8/19 8:31 PM</a:t>
+              <a:t>3/3/20 8:51 PM</a:t>
             </a:fld>
             <a:endParaRPr lang="en-US" dirty="0">
               <a:latin typeface="Segoe UI" pitchFamily="34" charset="0"/>
@@ -553,7 +553,7 @@
           <a:p>
             <a:fld id="{D18B56EA-E28F-4F92-9F16-7A6F2501B303}" type="datetime8">
               <a:rPr lang="en-US" smtClean="0"/>
-              <a:t>12/8/19 8:31 PM</a:t>
+              <a:t>3/3/20 8:51 PM</a:t>
             </a:fld>
             <a:endParaRPr lang="en-US" dirty="0"/>
           </a:p>
@@ -1041,7 +1041,7 @@
                 <a:tabLst/>
                 <a:defRPr/>
               </a:pPr>
-              <a:t>12/8/19 8:31 PM</a:t>
+              <a:t>3/3/20 8:51 PM</a:t>
             </a:fld>
             <a:endParaRPr kumimoji="0" lang="en-US" sz="1200" b="0" i="0" u="none" strike="noStrike" kern="1200" cap="none" spc="0" normalizeH="0" baseline="0" noProof="0" dirty="0">
               <a:ln>
@@ -1399,7 +1399,7 @@
                 <a:tabLst/>
                 <a:defRPr/>
               </a:pPr>
-              <a:t>12/8/19 8:31 PM</a:t>
+              <a:t>3/3/20 8:51 PM</a:t>
             </a:fld>
             <a:endParaRPr kumimoji="0" lang="en-US" sz="1200" b="0" i="0" u="none" strike="noStrike" kern="1200" cap="none" spc="0" normalizeH="0" baseline="0" noProof="0" dirty="0">
               <a:ln>
@@ -1760,7 +1760,7 @@
           <a:p>
             <a:fld id="{D18B56EA-E28F-4F92-9F16-7A6F2501B303}" type="datetime8">
               <a:rPr lang="en-US" smtClean="0"/>
-              <a:t>12/8/19 8:31 PM</a:t>
+              <a:t>3/3/20 8:51 PM</a:t>
             </a:fld>
             <a:endParaRPr lang="en-US" dirty="0"/>
           </a:p>
@@ -2024,7 +2024,7 @@
           <a:p>
             <a:fld id="{D18B56EA-E28F-4F92-9F16-7A6F2501B303}" type="datetime8">
               <a:rPr lang="en-US" smtClean="0"/>
-              <a:t>12/8/19 8:31 PM</a:t>
+              <a:t>3/3/20 8:51 PM</a:t>
             </a:fld>
             <a:endParaRPr lang="en-US" dirty="0"/>
           </a:p>
@@ -2434,7 +2434,7 @@
           <a:p>
             <a:fld id="{D18B56EA-E28F-4F92-9F16-7A6F2501B303}" type="datetime8">
               <a:rPr lang="en-US" smtClean="0"/>
-              <a:t>12/8/19 8:31 PM</a:t>
+              <a:t>3/3/20 8:51 PM</a:t>
             </a:fld>
             <a:endParaRPr lang="en-US" dirty="0"/>
           </a:p>
@@ -3149,7 +3149,7 @@
           <a:p>
             <a:fld id="{D18B56EA-E28F-4F92-9F16-7A6F2501B303}" type="datetime8">
               <a:rPr lang="en-US" smtClean="0"/>
-              <a:t>12/8/19 8:31 PM</a:t>
+              <a:t>3/3/20 8:51 PM</a:t>
             </a:fld>
             <a:endParaRPr lang="en-US" dirty="0"/>
           </a:p>
@@ -3330,7 +3330,7 @@
           <a:p>
             <a:fld id="{D18B56EA-E28F-4F92-9F16-7A6F2501B303}" type="datetime8">
               <a:rPr lang="en-US" smtClean="0"/>
-              <a:t>12/8/19 8:31 PM</a:t>
+              <a:t>3/3/20 8:51 PM</a:t>
             </a:fld>
             <a:endParaRPr lang="en-US" dirty="0"/>
           </a:p>
@@ -3511,7 +3511,7 @@
           <a:p>
             <a:fld id="{D18B56EA-E28F-4F92-9F16-7A6F2501B303}" type="datetime8">
               <a:rPr lang="en-US" smtClean="0"/>
-              <a:t>12/8/19 8:31 PM</a:t>
+              <a:t>3/3/20 8:51 PM</a:t>
             </a:fld>
             <a:endParaRPr lang="en-US" dirty="0"/>
           </a:p>
@@ -3692,7 +3692,7 @@
           <a:p>
             <a:fld id="{D18B56EA-E28F-4F92-9F16-7A6F2501B303}" type="datetime8">
               <a:rPr lang="en-US" smtClean="0"/>
-              <a:t>12/8/19 8:31 PM</a:t>
+              <a:t>3/3/20 8:51 PM</a:t>
             </a:fld>
             <a:endParaRPr lang="en-US" dirty="0"/>
           </a:p>
@@ -18758,7 +18758,7 @@
             </a:pPr>
             <a:r>
               <a:rPr lang="en-US" sz="1800" dirty="0"/>
-              <a:t>Excel Add-ins overview</a:t>
+              <a:t>Excel Add-ins overview </a:t>
             </a:r>
           </a:p>
           <a:p>
@@ -18862,9 +18862,7 @@
               <a:defRPr/>
             </a:pPr>
             <a:r>
-              <a:rPr lang="en-US" sz="1800" dirty="0">
-                <a:latin typeface="+mj-lt"/>
-              </a:rPr>
+              <a:rPr lang="en-US" sz="1800" dirty="0"/>
               <a:t>Dialog API sample</a:t>
             </a:r>
           </a:p>
@@ -18901,27 +18899,18 @@
             </a:endParaRPr>
           </a:p>
           <a:p>
-            <a:pPr marL="342900" marR="0" lvl="0" indent="-342900" defTabSz="914400" eaLnBrk="1" fontAlgn="auto" latinLnBrk="0" hangingPunct="1">
+            <a:pPr marL="342900" indent="-342900" defTabSz="914400">
               <a:lnSpc>
                 <a:spcPct val="100000"/>
               </a:lnSpc>
               <a:spcBef>
                 <a:spcPts val="600"/>
               </a:spcBef>
-              <a:spcAft>
-                <a:spcPts val="0"/>
-              </a:spcAft>
-              <a:buClrTx/>
               <a:buSzTx/>
-              <a:buFont typeface="Arial" charset="0"/>
-              <a:buNone/>
-              <a:tabLst/>
               <a:defRPr/>
             </a:pPr>
             <a:r>
-              <a:rPr lang="en-US" sz="1800" dirty="0">
-                <a:latin typeface="+mj-lt"/>
-              </a:rPr>
+              <a:rPr lang="en-US" sz="1800" dirty="0"/>
               <a:t>Use the Dialog API in your Office Add-in</a:t>
             </a:r>
           </a:p>
@@ -18939,13 +18928,7 @@
               <a:rPr lang="en-US" sz="1800" dirty="0">
                 <a:hlinkClick r:id="rId6"/>
               </a:rPr>
-              <a:t>https://docs.microsoft.com/en-us/office/dev/add-ins/develop/dialog-api</a:t>
-            </a:r>
-            <a:r>
-              <a:rPr lang="en-US" sz="1800">
-                <a:hlinkClick r:id="rId6"/>
-              </a:rPr>
-              <a:t>-in-office-add-ins</a:t>
+              <a:t>https://docs.microsoft.com/en-us/office/dev/add-ins/develop/dialog-api-in-office-add-ins</a:t>
             </a:r>
             <a:endParaRPr lang="en-US" sz="1800" dirty="0"/>
           </a:p>

--- a/OfficeAddin/02 Building Add-ins for Microsoft Excel/03 Dialogs in Excel Add-ins.pptx
+++ b/OfficeAddin/02 Building Add-ins for Microsoft Excel/03 Dialogs in Excel Add-ins.pptx
@@ -259,7 +259,7 @@
               <a:rPr lang="en-US" smtClean="0">
                 <a:latin typeface="Segoe UI" pitchFamily="34" charset="0"/>
               </a:rPr>
-              <a:t>3/3/20 8:51 PM</a:t>
+              <a:t>4/6/20 1:54 PM</a:t>
             </a:fld>
             <a:endParaRPr lang="en-US" dirty="0">
               <a:latin typeface="Segoe UI" pitchFamily="34" charset="0"/>
@@ -553,7 +553,7 @@
           <a:p>
             <a:fld id="{D18B56EA-E28F-4F92-9F16-7A6F2501B303}" type="datetime8">
               <a:rPr lang="en-US" smtClean="0"/>
-              <a:t>3/3/20 8:51 PM</a:t>
+              <a:t>4/6/20 1:54 PM</a:t>
             </a:fld>
             <a:endParaRPr lang="en-US" dirty="0"/>
           </a:p>
@@ -842,7 +842,7 @@
           <a:bodyPr/>
           <a:lstStyle/>
           <a:p>
-            <a:endParaRPr lang="en-US"/>
+            <a:endParaRPr lang="en-US" dirty="0"/>
           </a:p>
         </p:txBody>
       </p:sp>
@@ -1041,7 +1041,7 @@
                 <a:tabLst/>
                 <a:defRPr/>
               </a:pPr>
-              <a:t>3/3/20 8:51 PM</a:t>
+              <a:t>4/6/20 1:54 PM</a:t>
             </a:fld>
             <a:endParaRPr kumimoji="0" lang="en-US" sz="1200" b="0" i="0" u="none" strike="noStrike" kern="1200" cap="none" spc="0" normalizeH="0" baseline="0" noProof="0" dirty="0">
               <a:ln>
@@ -1200,7 +1200,13 @@
           <a:bodyPr/>
           <a:lstStyle/>
           <a:p>
-            <a:endParaRPr lang="en-US"/>
+            <a:r>
+              <a:rPr lang="en-US" dirty="0"/>
+              <a:t>In this unit, you'll learn how to incorporate dialogs in Excel workbooks. You'll learn how to open dialogs and how to submit and retrieve inputs and outputs for the dialog.</a:t>
+            </a:r>
+          </a:p>
+          <a:p>
+            <a:endParaRPr lang="en-US" dirty="0"/>
           </a:p>
         </p:txBody>
       </p:sp>
@@ -1399,7 +1405,7 @@
                 <a:tabLst/>
                 <a:defRPr/>
               </a:pPr>
-              <a:t>3/3/20 8:51 PM</a:t>
+              <a:t>4/6/20 1:58 PM</a:t>
             </a:fld>
             <a:endParaRPr kumimoji="0" lang="en-US" sz="1200" b="0" i="0" u="none" strike="noStrike" kern="1200" cap="none" spc="0" normalizeH="0" baseline="0" noProof="0" dirty="0">
               <a:ln>
@@ -1760,7 +1766,7 @@
           <a:p>
             <a:fld id="{D18B56EA-E28F-4F92-9F16-7A6F2501B303}" type="datetime8">
               <a:rPr lang="en-US" smtClean="0"/>
-              <a:t>3/3/20 8:51 PM</a:t>
+              <a:t>4/6/20 1:54 PM</a:t>
             </a:fld>
             <a:endParaRPr lang="en-US" dirty="0"/>
           </a:p>
@@ -1849,40 +1855,56 @@
           <a:p>
             <a:r>
               <a:rPr lang="en-US" dirty="0"/>
-              <a:t>Here is the script used to display a dialog from an Office add-in. Notice it takes three parameters:</a:t>
-            </a:r>
-          </a:p>
-          <a:p>
-            <a:pPr marL="171450" indent="-171450">
-              <a:buFont typeface="Arial" panose="020B0604020202020204" pitchFamily="34" charset="0"/>
-              <a:buChar char="•"/>
-            </a:pPr>
-            <a:r>
-              <a:rPr lang="en-US" dirty="0"/>
-              <a:t>The URL is the page you want displayed in the dialog…it most initially be a page hosted from an app domain as defined in the manifest. However, you can immediately redirect to a different page.</a:t>
-            </a:r>
-          </a:p>
-          <a:p>
-            <a:pPr marL="171450" marR="0" lvl="0" indent="-171450" algn="l" defTabSz="932742" rtl="0" eaLnBrk="1" fontAlgn="auto" latinLnBrk="0" hangingPunct="1">
-              <a:lnSpc>
-                <a:spcPct val="90000"/>
-              </a:lnSpc>
-              <a:spcBef>
-                <a:spcPts val="0"/>
-              </a:spcBef>
-              <a:spcAft>
-                <a:spcPts val="340"/>
-              </a:spcAft>
-              <a:buClrTx/>
-              <a:buSzTx/>
-              <a:buFont typeface="Arial" panose="020B0604020202020204" pitchFamily="34" charset="0"/>
-              <a:buChar char="•"/>
-              <a:tabLst/>
-              <a:defRPr/>
-            </a:pPr>
-            <a:r>
-              <a:rPr lang="en-US" dirty="0"/>
-              <a:t>The options parameter allows the developer the modify the size of the dialog. By default, the dialog will display as 80% of the height and width of the device screen. The values for height and width are expressed that way…as % of the device screen. You can also optionally set the </a:t>
+              <a:t>Open a dialog using the `</a:t>
+            </a:r>
+            <a:r>
+              <a:rPr lang="en-US" dirty="0" err="1"/>
+              <a:t>diaplayDialogAsync</a:t>
+            </a:r>
+            <a:r>
+              <a:rPr lang="en-US" dirty="0"/>
+              <a:t>()` method from an Office add-in:</a:t>
+            </a:r>
+          </a:p>
+          <a:p>
+            <a:endParaRPr lang="en-US" dirty="0"/>
+          </a:p>
+          <a:p>
+            <a:r>
+              <a:rPr lang="en-US" dirty="0"/>
+              <a:t>The `</a:t>
+            </a:r>
+            <a:r>
+              <a:rPr lang="en-US" dirty="0" err="1"/>
+              <a:t>displayDialogAsync</a:t>
+            </a:r>
+            <a:r>
+              <a:rPr lang="en-US" dirty="0"/>
+              <a:t>()` method accepts three parameters:</a:t>
+            </a:r>
+          </a:p>
+          <a:p>
+            <a:endParaRPr lang="en-US" dirty="0"/>
+          </a:p>
+          <a:p>
+            <a:r>
+              <a:rPr lang="en-US" dirty="0"/>
+              <a:t>- The `&lt;URL /&gt;` is the page to be displayed in the dialog. It most initially be a page hosted from an app domain as defined in the manifest. However, the page can immediately redirect to a different page.</a:t>
+            </a:r>
+          </a:p>
+          <a:p>
+            <a:r>
+              <a:rPr lang="en-US" dirty="0"/>
+              <a:t>- The `options` parameter allows the developer the modify the size of the dialog. By default, the dialog will display as 80% of the height and width of the device screen. The values for height and width are expressed as percentage of the device screen.</a:t>
+            </a:r>
+          </a:p>
+          <a:p>
+            <a:endParaRPr lang="en-US" dirty="0"/>
+          </a:p>
+          <a:p>
+            <a:r>
+              <a:rPr lang="en-US" dirty="0"/>
+              <a:t>    Developers can optionally set the `</a:t>
             </a:r>
             <a:r>
               <a:rPr lang="en-US" dirty="0" err="1"/>
@@ -1890,46 +1912,24 @@
             </a:r>
             <a:r>
               <a:rPr lang="en-US" dirty="0"/>
-              <a:t> property in the options. Setting this to true will cause the dialog </a:t>
-            </a:r>
-            <a:r>
-              <a:rPr lang="en-US" b="0" dirty="0">
-                <a:solidFill>
-                  <a:srgbClr val="2F2F2F"/>
-                </a:solidFill>
-              </a:rPr>
-              <a:t>to display as a floating </a:t>
-            </a:r>
-            <a:r>
-              <a:rPr lang="en-US" b="0" dirty="0" err="1">
-                <a:solidFill>
-                  <a:srgbClr val="2F2F2F"/>
-                </a:solidFill>
-              </a:rPr>
-              <a:t>iframe</a:t>
-            </a:r>
-            <a:r>
-              <a:rPr lang="en-US" b="0" dirty="0">
-                <a:solidFill>
-                  <a:srgbClr val="2F2F2F"/>
-                </a:solidFill>
-              </a:rPr>
-              <a:t> rather than an independent window (in clients that support this), which makes it open faster.</a:t>
-            </a:r>
-            <a:endParaRPr lang="en-US" b="0" dirty="0">
-              <a:solidFill>
-                <a:srgbClr val="000A18"/>
-              </a:solidFill>
-            </a:endParaRPr>
-          </a:p>
-          <a:p>
-            <a:pPr marL="171450" indent="-171450">
-              <a:buFont typeface="Arial" panose="020B0604020202020204" pitchFamily="34" charset="0"/>
-              <a:buChar char="•"/>
-            </a:pPr>
-            <a:r>
-              <a:rPr lang="en-US" dirty="0"/>
-              <a:t>The optional callback allows you host page to respond to messages and events from the dialog…we will look into that more next.</a:t>
+              <a:t>` property in the options. Setting this to `true` will cause the dialog to display as a floating Iframe rather than an independent window (in clients that support this), which makes it open faster.</a:t>
+            </a:r>
+          </a:p>
+          <a:p>
+            <a:endParaRPr lang="en-US" dirty="0"/>
+          </a:p>
+          <a:p>
+            <a:r>
+              <a:rPr lang="en-US" dirty="0"/>
+              <a:t>- The `</a:t>
+            </a:r>
+            <a:r>
+              <a:rPr lang="en-US" dirty="0" err="1"/>
+              <a:t>optionalCallback</a:t>
+            </a:r>
+            <a:r>
+              <a:rPr lang="en-US" dirty="0"/>
+              <a:t>` allows the add-in's host page to respond to messages and events from the dialog.</a:t>
             </a:r>
           </a:p>
         </p:txBody>
@@ -2024,7 +2024,7 @@
           <a:p>
             <a:fld id="{D18B56EA-E28F-4F92-9F16-7A6F2501B303}" type="datetime8">
               <a:rPr lang="en-US" smtClean="0"/>
-              <a:t>3/3/20 8:51 PM</a:t>
+              <a:t>4/6/20 2:11 PM</a:t>
             </a:fld>
             <a:endParaRPr lang="en-US" dirty="0"/>
           </a:p>
@@ -2128,7 +2128,51 @@
                 <a:ea typeface="+mn-ea"/>
                 <a:cs typeface="+mn-cs"/>
               </a:rPr>
-              <a:t>Points of interest</a:t>
+              <a:t>The primary way to pass information to a dialog is through the browser's local storage (`</a:t>
+            </a:r>
+            <a:r>
+              <a:rPr lang="en-US" sz="800" b="1" kern="1200" dirty="0" err="1">
+                <a:solidFill>
+                  <a:schemeClr val="accent1"/>
+                </a:solidFill>
+                <a:latin typeface="Segoe UI Light" pitchFamily="34" charset="0"/>
+                <a:ea typeface="+mn-ea"/>
+                <a:cs typeface="+mn-cs"/>
+              </a:rPr>
+              <a:t>window.localStorage</a:t>
+            </a:r>
+            <a:r>
+              <a:rPr lang="en-US" sz="800" b="1" kern="1200" dirty="0">
+                <a:solidFill>
+                  <a:schemeClr val="accent1"/>
+                </a:solidFill>
+                <a:latin typeface="Segoe UI Light" pitchFamily="34" charset="0"/>
+                <a:ea typeface="+mn-ea"/>
+                <a:cs typeface="+mn-cs"/>
+              </a:rPr>
+              <a:t>`) or through URL parameters in the dialog URL. In this sample, the host page is passing an id of "123" to the dialog via a </a:t>
+            </a:r>
+            <a:r>
+              <a:rPr lang="en-US" sz="800" b="1" kern="1200" dirty="0" err="1">
+                <a:solidFill>
+                  <a:schemeClr val="accent1"/>
+                </a:solidFill>
+                <a:latin typeface="Segoe UI Light" pitchFamily="34" charset="0"/>
+                <a:ea typeface="+mn-ea"/>
+                <a:cs typeface="+mn-cs"/>
+              </a:rPr>
+              <a:t>url</a:t>
+            </a:r>
+            <a:r>
+              <a:rPr lang="en-US" sz="800" b="1" kern="1200" dirty="0">
+                <a:solidFill>
+                  <a:schemeClr val="accent1"/>
+                </a:solidFill>
+                <a:latin typeface="Segoe UI Light" pitchFamily="34" charset="0"/>
+                <a:ea typeface="+mn-ea"/>
+                <a:cs typeface="+mn-cs"/>
+              </a:rPr>
+              <a:t> parameter.</a:t>
             </a:r>
           </a:p>
           <a:p>
@@ -2137,29 +2181,17 @@
                 <a:spcPct val="90000"/>
               </a:lnSpc>
               <a:spcBef>
-                <a:spcPts val="1200"/>
+                <a:spcPts val="600"/>
               </a:spcBef>
             </a:pPr>
-            <a:r>
-              <a:rPr lang="en-US" sz="900" dirty="0"/>
-              <a:t>The primary way to pass information to a dialog it through local storage (ex: </a:t>
-            </a:r>
-            <a:r>
-              <a:rPr lang="en-US" sz="900" dirty="0" err="1"/>
-              <a:t>window.localStorage</a:t>
-            </a:r>
-            <a:r>
-              <a:rPr lang="en-US" sz="900" dirty="0"/>
-              <a:t>) or through URL parameters in the dialog URL. In this sample, the host page is passing an id of “123” to the dialog via a </a:t>
-            </a:r>
-            <a:r>
-              <a:rPr lang="en-US" sz="900" dirty="0" err="1"/>
-              <a:t>url</a:t>
-            </a:r>
-            <a:r>
-              <a:rPr lang="en-US" sz="900" dirty="0"/>
-              <a:t> parameter.</a:t>
-            </a:r>
+            <a:endParaRPr lang="en-US" sz="800" b="1" kern="1200" dirty="0">
+              <a:solidFill>
+                <a:schemeClr val="accent1"/>
+              </a:solidFill>
+              <a:latin typeface="Segoe UI Light" pitchFamily="34" charset="0"/>
+              <a:ea typeface="+mn-ea"/>
+              <a:cs typeface="+mn-cs"/>
+            </a:endParaRPr>
           </a:p>
           <a:p>
             <a:pPr>
@@ -2167,24 +2199,24 @@
                 <a:spcPct val="90000"/>
               </a:lnSpc>
               <a:spcBef>
-                <a:spcPts val="1200"/>
+                <a:spcPts val="600"/>
               </a:spcBef>
             </a:pPr>
             <a:r>
-              <a:rPr lang="en-US" sz="900" kern="1200" dirty="0">
-                <a:solidFill>
-                  <a:schemeClr val="tx1"/>
+              <a:rPr lang="en-US" sz="800" b="1" kern="1200" dirty="0">
+                <a:solidFill>
+                  <a:schemeClr val="accent1"/>
                 </a:solidFill>
                 <a:latin typeface="Segoe UI Light" pitchFamily="34" charset="0"/>
                 <a:ea typeface="+mn-ea"/>
                 <a:cs typeface="+mn-cs"/>
               </a:rPr>
-              <a:t>A dialog can pass messages back to the host by calling </a:t>
-            </a:r>
-            <a:r>
-              <a:rPr lang="en-US" sz="900" kern="1200" dirty="0" err="1">
-                <a:solidFill>
-                  <a:schemeClr val="tx1"/>
+              <a:t>A dialog can pass messages back to the host by calling `</a:t>
+            </a:r>
+            <a:r>
+              <a:rPr lang="en-US" sz="800" b="1" kern="1200" dirty="0" err="1">
+                <a:solidFill>
+                  <a:schemeClr val="accent1"/>
                 </a:solidFill>
                 <a:latin typeface="Segoe UI Light" pitchFamily="34" charset="0"/>
                 <a:ea typeface="+mn-ea"/>
@@ -2193,37 +2225,15 @@
               <a:t>Office.context.ui.messageParent</a:t>
             </a:r>
             <a:r>
-              <a:rPr lang="en-US" sz="900" kern="1200" dirty="0">
-                <a:solidFill>
-                  <a:schemeClr val="tx1"/>
+              <a:rPr lang="en-US" sz="800" b="1" kern="1200" dirty="0">
+                <a:solidFill>
+                  <a:schemeClr val="accent1"/>
                 </a:solidFill>
                 <a:latin typeface="Segoe UI Light" pitchFamily="34" charset="0"/>
                 <a:ea typeface="+mn-ea"/>
                 <a:cs typeface="+mn-cs"/>
               </a:rPr>
-              <a:t> to send either a Boolean value or a string message (including </a:t>
-            </a:r>
-            <a:r>
-              <a:rPr lang="en-US" sz="900" kern="1200" dirty="0" err="1">
-                <a:solidFill>
-                  <a:schemeClr val="tx1"/>
-                </a:solidFill>
-                <a:latin typeface="Segoe UI Light" pitchFamily="34" charset="0"/>
-                <a:ea typeface="+mn-ea"/>
-                <a:cs typeface="+mn-cs"/>
-              </a:rPr>
-              <a:t>stringified</a:t>
-            </a:r>
-            <a:r>
-              <a:rPr lang="en-US" sz="900" kern="1200" dirty="0">
-                <a:solidFill>
-                  <a:schemeClr val="tx1"/>
-                </a:solidFill>
-                <a:latin typeface="Segoe UI Light" pitchFamily="34" charset="0"/>
-                <a:ea typeface="+mn-ea"/>
-                <a:cs typeface="+mn-cs"/>
-              </a:rPr>
-              <a:t> object) to the host page. At the bottom of the sample you can see the dialog script where it is passing the message “Hello from the dialog!!!” to the parent. </a:t>
+              <a:t>` to send either a Boolean value or a string message to the host page. At the bottom of the sample you can see the dialog script where it is passing the message "Hello from the dialog!!!" to the parent.</a:t>
             </a:r>
           </a:p>
           <a:p>
@@ -2232,42 +2242,17 @@
                 <a:spcPct val="90000"/>
               </a:lnSpc>
               <a:spcBef>
-                <a:spcPts val="1200"/>
+                <a:spcPts val="600"/>
               </a:spcBef>
             </a:pPr>
-            <a:r>
-              <a:rPr lang="en-US" sz="900" kern="1200" dirty="0">
-                <a:solidFill>
-                  <a:schemeClr val="tx1"/>
-                </a:solidFill>
-                <a:latin typeface="Segoe UI Light" pitchFamily="34" charset="0"/>
-                <a:ea typeface="+mn-ea"/>
-                <a:cs typeface="+mn-cs"/>
-              </a:rPr>
-              <a:t>The </a:t>
-            </a:r>
-            <a:r>
-              <a:rPr lang="en-US" sz="900" kern="1200" dirty="0" err="1">
-                <a:solidFill>
-                  <a:schemeClr val="tx1"/>
-                </a:solidFill>
-                <a:latin typeface="Segoe UI Light" pitchFamily="34" charset="0"/>
-                <a:ea typeface="+mn-ea"/>
-                <a:cs typeface="+mn-cs"/>
-              </a:rPr>
-              <a:t>messageParent</a:t>
-            </a:r>
-            <a:r>
-              <a:rPr lang="en-US" sz="900" kern="1200" dirty="0">
-                <a:solidFill>
-                  <a:schemeClr val="tx1"/>
-                </a:solidFill>
-                <a:latin typeface="Segoe UI Light" pitchFamily="34" charset="0"/>
-                <a:ea typeface="+mn-ea"/>
-                <a:cs typeface="+mn-cs"/>
-              </a:rPr>
-              <a:t> function can only be called on a page with the same domain (including protocol and port) as the host page.</a:t>
-            </a:r>
+            <a:endParaRPr lang="en-US" sz="800" b="1" kern="1200" dirty="0">
+              <a:solidFill>
+                <a:schemeClr val="accent1"/>
+              </a:solidFill>
+              <a:latin typeface="Segoe UI Light" pitchFamily="34" charset="0"/>
+              <a:ea typeface="+mn-ea"/>
+              <a:cs typeface="+mn-cs"/>
+            </a:endParaRPr>
           </a:p>
           <a:p>
             <a:pPr>
@@ -2275,72 +2260,125 @@
                 <a:spcPct val="90000"/>
               </a:lnSpc>
               <a:spcBef>
-                <a:spcPts val="1200"/>
+                <a:spcPts val="600"/>
               </a:spcBef>
             </a:pPr>
             <a:r>
-              <a:rPr lang="en-US" sz="900" kern="1200" dirty="0">
-                <a:solidFill>
-                  <a:schemeClr val="tx1"/>
+              <a:rPr lang="en-US" sz="800" b="1" kern="1200" dirty="0">
+                <a:solidFill>
+                  <a:schemeClr val="accent1"/>
                 </a:solidFill>
                 <a:latin typeface="Segoe UI Light" pitchFamily="34" charset="0"/>
                 <a:ea typeface="+mn-ea"/>
                 <a:cs typeface="+mn-cs"/>
               </a:rPr>
-              <a:t>The host page must “listen” for messages by subscribing to the </a:t>
-            </a:r>
-            <a:r>
-              <a:rPr lang="en-US" sz="900" kern="1200" dirty="0" err="1">
-                <a:solidFill>
-                  <a:schemeClr val="tx1"/>
+              <a:t>The `</a:t>
+            </a:r>
+            <a:r>
+              <a:rPr lang="en-US" sz="800" b="1" kern="1200" dirty="0" err="1">
+                <a:solidFill>
+                  <a:schemeClr val="accent1"/>
                 </a:solidFill>
                 <a:latin typeface="Segoe UI Light" pitchFamily="34" charset="0"/>
                 <a:ea typeface="+mn-ea"/>
                 <a:cs typeface="+mn-cs"/>
               </a:rPr>
-              <a:t>DialogMessageReceived</a:t>
-            </a:r>
-            <a:r>
-              <a:rPr lang="en-US" sz="900" kern="1200" dirty="0">
-                <a:solidFill>
-                  <a:schemeClr val="tx1"/>
+              <a:t>messageParent</a:t>
+            </a:r>
+            <a:r>
+              <a:rPr lang="en-US" sz="800" b="1" kern="1200" dirty="0">
+                <a:solidFill>
+                  <a:schemeClr val="accent1"/>
                 </a:solidFill>
                 <a:latin typeface="Segoe UI Light" pitchFamily="34" charset="0"/>
                 <a:ea typeface="+mn-ea"/>
                 <a:cs typeface="+mn-cs"/>
               </a:rPr>
-              <a:t> handler. In the sample, the host page registers this handler using the </a:t>
-            </a:r>
-            <a:r>
-              <a:rPr lang="en-US" sz="900" kern="1200" dirty="0" err="1">
-                <a:solidFill>
-                  <a:schemeClr val="tx1"/>
-                </a:solidFill>
-                <a:latin typeface="Segoe UI Light" pitchFamily="34" charset="0"/>
-                <a:ea typeface="+mn-ea"/>
-                <a:cs typeface="+mn-cs"/>
-              </a:rPr>
-              <a:t>processMessage</a:t>
-            </a:r>
-            <a:r>
-              <a:rPr lang="en-US" sz="900" kern="1200" dirty="0">
-                <a:solidFill>
-                  <a:schemeClr val="tx1"/>
-                </a:solidFill>
-                <a:latin typeface="Segoe UI Light" pitchFamily="34" charset="0"/>
-                <a:ea typeface="+mn-ea"/>
-                <a:cs typeface="+mn-cs"/>
-              </a:rPr>
-              <a:t> function, where it simply logs the message.</a:t>
-            </a:r>
-            <a:endParaRPr lang="en-US" sz="800" kern="1200" dirty="0">
+              <a:t>()` method can only be called on a page with the same domain (including protocol and port) as the host page.</a:t>
+            </a:r>
+          </a:p>
+          <a:p>
+            <a:pPr>
+              <a:lnSpc>
+                <a:spcPct val="90000"/>
+              </a:lnSpc>
+              <a:spcBef>
+                <a:spcPts val="600"/>
+              </a:spcBef>
+            </a:pPr>
+            <a:endParaRPr lang="en-US" sz="800" b="1" kern="1200" dirty="0">
               <a:solidFill>
-                <a:schemeClr val="tx1"/>
+                <a:schemeClr val="accent1"/>
               </a:solidFill>
               <a:latin typeface="Segoe UI Light" pitchFamily="34" charset="0"/>
               <a:ea typeface="+mn-ea"/>
               <a:cs typeface="+mn-cs"/>
             </a:endParaRPr>
+          </a:p>
+          <a:p>
+            <a:pPr>
+              <a:lnSpc>
+                <a:spcPct val="90000"/>
+              </a:lnSpc>
+              <a:spcBef>
+                <a:spcPts val="600"/>
+              </a:spcBef>
+            </a:pPr>
+            <a:r>
+              <a:rPr lang="en-US" sz="800" b="1" kern="1200" dirty="0">
+                <a:solidFill>
+                  <a:schemeClr val="accent1"/>
+                </a:solidFill>
+                <a:latin typeface="Segoe UI Light" pitchFamily="34" charset="0"/>
+                <a:ea typeface="+mn-ea"/>
+                <a:cs typeface="+mn-cs"/>
+              </a:rPr>
+              <a:t>The host page must listen for messages by subscribing to the `</a:t>
+            </a:r>
+            <a:r>
+              <a:rPr lang="en-US" sz="800" b="1" kern="1200" dirty="0" err="1">
+                <a:solidFill>
+                  <a:schemeClr val="accent1"/>
+                </a:solidFill>
+                <a:latin typeface="Segoe UI Light" pitchFamily="34" charset="0"/>
+                <a:ea typeface="+mn-ea"/>
+                <a:cs typeface="+mn-cs"/>
+              </a:rPr>
+              <a:t>DialogMessageReceived</a:t>
+            </a:r>
+            <a:r>
+              <a:rPr lang="en-US" sz="800" b="1" kern="1200" dirty="0">
+                <a:solidFill>
+                  <a:schemeClr val="accent1"/>
+                </a:solidFill>
+                <a:latin typeface="Segoe UI Light" pitchFamily="34" charset="0"/>
+                <a:ea typeface="+mn-ea"/>
+                <a:cs typeface="+mn-cs"/>
+              </a:rPr>
+              <a:t>` handler. In the sample, the host page registers this handler using the `</a:t>
+            </a:r>
+            <a:r>
+              <a:rPr lang="en-US" sz="800" b="1" kern="1200" dirty="0" err="1">
+                <a:solidFill>
+                  <a:schemeClr val="accent1"/>
+                </a:solidFill>
+                <a:latin typeface="Segoe UI Light" pitchFamily="34" charset="0"/>
+                <a:ea typeface="+mn-ea"/>
+                <a:cs typeface="+mn-cs"/>
+              </a:rPr>
+              <a:t>processMessage</a:t>
+            </a:r>
+            <a:r>
+              <a:rPr lang="en-US" sz="800" b="1" kern="1200" dirty="0">
+                <a:solidFill>
+                  <a:schemeClr val="accent1"/>
+                </a:solidFill>
+                <a:latin typeface="Segoe UI Light" pitchFamily="34" charset="0"/>
+                <a:ea typeface="+mn-ea"/>
+                <a:cs typeface="+mn-cs"/>
+              </a:rPr>
+              <a:t>` function, where it logs the message to the console.</a:t>
+            </a:r>
           </a:p>
         </p:txBody>
       </p:sp>
@@ -2434,7 +2472,7 @@
           <a:p>
             <a:fld id="{D18B56EA-E28F-4F92-9F16-7A6F2501B303}" type="datetime8">
               <a:rPr lang="en-US" smtClean="0"/>
-              <a:t>3/3/20 8:51 PM</a:t>
+              <a:t>4/6/20 2:38 PM</a:t>
             </a:fld>
             <a:endParaRPr lang="en-US" dirty="0"/>
           </a:p>
@@ -3149,7 +3187,7 @@
           <a:p>
             <a:fld id="{D18B56EA-E28F-4F92-9F16-7A6F2501B303}" type="datetime8">
               <a:rPr lang="en-US" smtClean="0"/>
-              <a:t>3/3/20 8:51 PM</a:t>
+              <a:t>4/6/20 1:54 PM</a:t>
             </a:fld>
             <a:endParaRPr lang="en-US" dirty="0"/>
           </a:p>
@@ -3330,7 +3368,7 @@
           <a:p>
             <a:fld id="{D18B56EA-E28F-4F92-9F16-7A6F2501B303}" type="datetime8">
               <a:rPr lang="en-US" smtClean="0"/>
-              <a:t>3/3/20 8:51 PM</a:t>
+              <a:t>4/6/20 1:54 PM</a:t>
             </a:fld>
             <a:endParaRPr lang="en-US" dirty="0"/>
           </a:p>
@@ -3511,7 +3549,7 @@
           <a:p>
             <a:fld id="{D18B56EA-E28F-4F92-9F16-7A6F2501B303}" type="datetime8">
               <a:rPr lang="en-US" smtClean="0"/>
-              <a:t>3/3/20 8:51 PM</a:t>
+              <a:t>4/6/20 1:54 PM</a:t>
             </a:fld>
             <a:endParaRPr lang="en-US" dirty="0"/>
           </a:p>
@@ -3692,7 +3730,7 @@
           <a:p>
             <a:fld id="{D18B56EA-E28F-4F92-9F16-7A6F2501B303}" type="datetime8">
               <a:rPr lang="en-US" smtClean="0"/>
-              <a:t>3/3/20 8:51 PM</a:t>
+              <a:t>4/6/20 1:54 PM</a:t>
             </a:fld>
             <a:endParaRPr lang="en-US" dirty="0"/>
           </a:p>

--- a/OfficeAddin/02 Building Add-ins for Microsoft Excel/03 Dialogs in Excel Add-ins.pptx
+++ b/OfficeAddin/02 Building Add-ins for Microsoft Excel/03 Dialogs in Excel Add-ins.pptx
@@ -259,7 +259,7 @@
               <a:rPr lang="en-US" smtClean="0">
                 <a:latin typeface="Segoe UI" pitchFamily="34" charset="0"/>
               </a:rPr>
-              <a:t>4/6/20 1:54 PM</a:t>
+              <a:t>6/17/21 10:50 AM</a:t>
             </a:fld>
             <a:endParaRPr lang="en-US" dirty="0">
               <a:latin typeface="Segoe UI" pitchFamily="34" charset="0"/>
@@ -553,7 +553,7 @@
           <a:p>
             <a:fld id="{D18B56EA-E28F-4F92-9F16-7A6F2501B303}" type="datetime8">
               <a:rPr lang="en-US" smtClean="0"/>
-              <a:t>4/6/20 1:54 PM</a:t>
+              <a:t>6/17/21 10:50 AM</a:t>
             </a:fld>
             <a:endParaRPr lang="en-US" dirty="0"/>
           </a:p>
@@ -1041,7 +1041,7 @@
                 <a:tabLst/>
                 <a:defRPr/>
               </a:pPr>
-              <a:t>4/6/20 1:54 PM</a:t>
+              <a:t>6/17/21 10:50 AM</a:t>
             </a:fld>
             <a:endParaRPr kumimoji="0" lang="en-US" sz="1200" b="0" i="0" u="none" strike="noStrike" kern="1200" cap="none" spc="0" normalizeH="0" baseline="0" noProof="0" dirty="0">
               <a:ln>
@@ -1405,7 +1405,7 @@
                 <a:tabLst/>
                 <a:defRPr/>
               </a:pPr>
-              <a:t>4/6/20 1:58 PM</a:t>
+              <a:t>6/17/21 10:50 AM</a:t>
             </a:fld>
             <a:endParaRPr kumimoji="0" lang="en-US" sz="1200" b="0" i="0" u="none" strike="noStrike" kern="1200" cap="none" spc="0" normalizeH="0" baseline="0" noProof="0" dirty="0">
               <a:ln>
@@ -1766,7 +1766,7 @@
           <a:p>
             <a:fld id="{D18B56EA-E28F-4F92-9F16-7A6F2501B303}" type="datetime8">
               <a:rPr lang="en-US" smtClean="0"/>
-              <a:t>4/6/20 1:54 PM</a:t>
+              <a:t>6/17/21 10:50 AM</a:t>
             </a:fld>
             <a:endParaRPr lang="en-US" dirty="0"/>
           </a:p>
@@ -2024,7 +2024,7 @@
           <a:p>
             <a:fld id="{D18B56EA-E28F-4F92-9F16-7A6F2501B303}" type="datetime8">
               <a:rPr lang="en-US" smtClean="0"/>
-              <a:t>4/6/20 2:11 PM</a:t>
+              <a:t>6/17/21 10:50 AM</a:t>
             </a:fld>
             <a:endParaRPr lang="en-US" dirty="0"/>
           </a:p>
@@ -2472,7 +2472,7 @@
           <a:p>
             <a:fld id="{D18B56EA-E28F-4F92-9F16-7A6F2501B303}" type="datetime8">
               <a:rPr lang="en-US" smtClean="0"/>
-              <a:t>4/6/20 2:38 PM</a:t>
+              <a:t>6/17/21 10:50 AM</a:t>
             </a:fld>
             <a:endParaRPr lang="en-US" dirty="0"/>
           </a:p>
@@ -3187,7 +3187,7 @@
           <a:p>
             <a:fld id="{D18B56EA-E28F-4F92-9F16-7A6F2501B303}" type="datetime8">
               <a:rPr lang="en-US" smtClean="0"/>
-              <a:t>4/6/20 1:54 PM</a:t>
+              <a:t>6/17/21 10:50 AM</a:t>
             </a:fld>
             <a:endParaRPr lang="en-US" dirty="0"/>
           </a:p>
@@ -3368,7 +3368,7 @@
           <a:p>
             <a:fld id="{D18B56EA-E28F-4F92-9F16-7A6F2501B303}" type="datetime8">
               <a:rPr lang="en-US" smtClean="0"/>
-              <a:t>4/6/20 1:54 PM</a:t>
+              <a:t>6/17/21 10:50 AM</a:t>
             </a:fld>
             <a:endParaRPr lang="en-US" dirty="0"/>
           </a:p>
@@ -3549,7 +3549,7 @@
           <a:p>
             <a:fld id="{D18B56EA-E28F-4F92-9F16-7A6F2501B303}" type="datetime8">
               <a:rPr lang="en-US" smtClean="0"/>
-              <a:t>4/6/20 1:54 PM</a:t>
+              <a:t>6/17/21 10:50 AM</a:t>
             </a:fld>
             <a:endParaRPr lang="en-US" dirty="0"/>
           </a:p>
@@ -3730,7 +3730,7 @@
           <a:p>
             <a:fld id="{D18B56EA-E28F-4F92-9F16-7A6F2501B303}" type="datetime8">
               <a:rPr lang="en-US" smtClean="0"/>
-              <a:t>4/6/20 1:54 PM</a:t>
+              <a:t>6/17/21 10:50 AM</a:t>
             </a:fld>
             <a:endParaRPr lang="en-US" dirty="0"/>
           </a:p>
@@ -15069,7 +15069,29 @@
           <a:p>
             <a:r>
               <a:rPr lang="en-US" dirty="0"/>
-              <a:t>The Dialog API must be launched with a known app domain, but can immediately go to any website (or other resource) that uses HTTPS.</a:t>
+              <a:t>The Dialog API must be launched with a known app domain, but can immediately go to any website </a:t>
+            </a:r>
+            <a:r>
+              <a:rPr lang="en-US" dirty="0">
+                <a:latin typeface="Segoe UI Symbol" panose="020B0502040204020203" pitchFamily="34" charset="0"/>
+                <a:ea typeface="Segoe UI Symbol" panose="020B0502040204020203" pitchFamily="34" charset="0"/>
+              </a:rPr>
+              <a:t>(</a:t>
+            </a:r>
+            <a:r>
+              <a:rPr lang="en-US" dirty="0"/>
+              <a:t>or other resource</a:t>
+            </a:r>
+            <a:r>
+              <a:rPr lang="en-US" dirty="0">
+                <a:latin typeface="Segoe UI Symbol" panose="020B0502040204020203" pitchFamily="34" charset="0"/>
+                <a:ea typeface="Segoe UI Symbol" panose="020B0502040204020203" pitchFamily="34" charset="0"/>
+              </a:rPr>
+              <a:t>)</a:t>
+            </a:r>
+            <a:r>
+              <a:rPr lang="en-US" dirty="0"/>
+              <a:t> that uses HTTPS.</a:t>
             </a:r>
           </a:p>
         </p:txBody>
@@ -16258,7 +16280,43 @@
                   <a:srgbClr val="2F2F2F"/>
                 </a:solidFill>
               </a:rPr>
-              <a:t>The optional callback allows a host page (the page that opens the dialog) to listen for messages from dialog.</a:t>
+              <a:t>The optional callback allows a host page </a:t>
+            </a:r>
+            <a:r>
+              <a:rPr lang="en-US" b="0" dirty="0">
+                <a:solidFill>
+                  <a:srgbClr val="2F2F2F"/>
+                </a:solidFill>
+                <a:latin typeface="Segoe UI Symbol" panose="020B0502040204020203" pitchFamily="34" charset="0"/>
+                <a:ea typeface="Segoe UI Symbol" panose="020B0502040204020203" pitchFamily="34" charset="0"/>
+              </a:rPr>
+              <a:t>(</a:t>
+            </a:r>
+            <a:r>
+              <a:rPr lang="en-US" b="0" dirty="0">
+                <a:solidFill>
+                  <a:srgbClr val="2F2F2F"/>
+                </a:solidFill>
+              </a:rPr>
+              <a:t>the page that opens the dialog</a:t>
+            </a:r>
+            <a:r>
+              <a:rPr lang="en-US" b="0" dirty="0">
+                <a:solidFill>
+                  <a:srgbClr val="2F2F2F"/>
+                </a:solidFill>
+                <a:latin typeface="Segoe UI Symbol" panose="020B0502040204020203" pitchFamily="34" charset="0"/>
+                <a:ea typeface="Segoe UI Symbol" panose="020B0502040204020203" pitchFamily="34" charset="0"/>
+              </a:rPr>
+              <a:t>)</a:t>
+            </a:r>
+            <a:r>
+              <a:rPr lang="en-US" b="0" dirty="0">
+                <a:solidFill>
+                  <a:srgbClr val="2F2F2F"/>
+                </a:solidFill>
+              </a:rPr>
+              <a:t> to listen for messages from dialog.</a:t>
             </a:r>
             <a:endParaRPr lang="en-US" b="0" dirty="0">
               <a:solidFill>
@@ -16290,7 +16348,7 @@
         <p:spPr>
           <a:xfrm>
             <a:off x="4399597" y="3223704"/>
-            <a:ext cx="3669666" cy="2413418"/>
+            <a:ext cx="3669666" cy="2637517"/>
           </a:xfrm>
         </p:spPr>
         <p:txBody>
@@ -16310,7 +16368,43 @@
                   <a:srgbClr val="2F2F2F"/>
                 </a:solidFill>
               </a:rPr>
-              <a:t>Display options include dialog height and width (in % of device screen), which by default are 80% of the height and width of the device screen.</a:t>
+              <a:t>Display options include dialog height and width </a:t>
+            </a:r>
+            <a:r>
+              <a:rPr lang="en-US" b="0" dirty="0">
+                <a:solidFill>
+                  <a:srgbClr val="2F2F2F"/>
+                </a:solidFill>
+                <a:latin typeface="Segoe UI Symbol" panose="020B0502040204020203" pitchFamily="34" charset="0"/>
+                <a:ea typeface="Segoe UI Symbol" panose="020B0502040204020203" pitchFamily="34" charset="0"/>
+              </a:rPr>
+              <a:t>(</a:t>
+            </a:r>
+            <a:r>
+              <a:rPr lang="en-US" b="0" dirty="0">
+                <a:solidFill>
+                  <a:srgbClr val="2F2F2F"/>
+                </a:solidFill>
+              </a:rPr>
+              <a:t>in % of device screen</a:t>
+            </a:r>
+            <a:r>
+              <a:rPr lang="en-US" b="0" dirty="0">
+                <a:solidFill>
+                  <a:srgbClr val="2F2F2F"/>
+                </a:solidFill>
+                <a:latin typeface="Segoe UI Symbol" panose="020B0502040204020203" pitchFamily="34" charset="0"/>
+                <a:ea typeface="Segoe UI Symbol" panose="020B0502040204020203" pitchFamily="34" charset="0"/>
+              </a:rPr>
+              <a:t>)</a:t>
+            </a:r>
+            <a:r>
+              <a:rPr lang="en-US" b="0" dirty="0">
+                <a:solidFill>
+                  <a:srgbClr val="2F2F2F"/>
+                </a:solidFill>
+              </a:rPr>
+              <a:t>, which by default are 80% of the height and width of the device screen.</a:t>
             </a:r>
           </a:p>
           <a:p>
@@ -16328,6 +16422,8 @@
                 <a:solidFill>
                   <a:srgbClr val="2F2F2F"/>
                 </a:solidFill>
+                <a:latin typeface="Courier New" panose="02070309020205020404" pitchFamily="49" charset="0"/>
+                <a:cs typeface="Courier New" panose="02070309020205020404" pitchFamily="49" charset="0"/>
               </a:rPr>
               <a:t>displayInIframe</a:t>
             </a:r>
@@ -16353,7 +16449,43 @@
                   <a:srgbClr val="2F2F2F"/>
                 </a:solidFill>
               </a:rPr>
-              <a:t> rather than an independent window (in clients that support this), which makes it open faster.</a:t>
+              <a:t> rather than an independent window </a:t>
+            </a:r>
+            <a:r>
+              <a:rPr lang="en-US" b="0" dirty="0">
+                <a:solidFill>
+                  <a:srgbClr val="2F2F2F"/>
+                </a:solidFill>
+                <a:latin typeface="Segoe UI Symbol" panose="020B0502040204020203" pitchFamily="34" charset="0"/>
+                <a:ea typeface="Segoe UI Symbol" panose="020B0502040204020203" pitchFamily="34" charset="0"/>
+              </a:rPr>
+              <a:t>(</a:t>
+            </a:r>
+            <a:r>
+              <a:rPr lang="en-US" b="0" dirty="0">
+                <a:solidFill>
+                  <a:srgbClr val="2F2F2F"/>
+                </a:solidFill>
+              </a:rPr>
+              <a:t>in clients that support this</a:t>
+            </a:r>
+            <a:r>
+              <a:rPr lang="en-US" b="0" dirty="0">
+                <a:solidFill>
+                  <a:srgbClr val="2F2F2F"/>
+                </a:solidFill>
+                <a:latin typeface="Segoe UI Symbol" panose="020B0502040204020203" pitchFamily="34" charset="0"/>
+                <a:ea typeface="Segoe UI Symbol" panose="020B0502040204020203" pitchFamily="34" charset="0"/>
+              </a:rPr>
+              <a:t>)</a:t>
+            </a:r>
+            <a:r>
+              <a:rPr lang="en-US" b="0" dirty="0">
+                <a:solidFill>
+                  <a:srgbClr val="2F2F2F"/>
+                </a:solidFill>
+              </a:rPr>
+              <a:t>, which makes it open faster.</a:t>
             </a:r>
             <a:endParaRPr lang="en-US" b="0" dirty="0">
               <a:solidFill>
@@ -16385,7 +16517,7 @@
         <p:spPr>
           <a:xfrm>
             <a:off x="465138" y="3214124"/>
-            <a:ext cx="3690937" cy="1374672"/>
+            <a:ext cx="3690937" cy="1598771"/>
           </a:xfrm>
         </p:spPr>
         <p:txBody>
@@ -16405,7 +16537,43 @@
                   <a:srgbClr val="2F2F2F"/>
                 </a:solidFill>
               </a:rPr>
-              <a:t>The dialog should initially open to a page hosted from an app domain (as defined in manifest).</a:t>
+              <a:t>The dialog should initially open to a page hosted from an app domain </a:t>
+            </a:r>
+            <a:r>
+              <a:rPr lang="en-US" b="0" dirty="0">
+                <a:solidFill>
+                  <a:srgbClr val="2F2F2F"/>
+                </a:solidFill>
+                <a:latin typeface="Segoe UI Symbol" panose="020B0502040204020203" pitchFamily="34" charset="0"/>
+                <a:ea typeface="Segoe UI Symbol" panose="020B0502040204020203" pitchFamily="34" charset="0"/>
+              </a:rPr>
+              <a:t>(</a:t>
+            </a:r>
+            <a:r>
+              <a:rPr lang="en-US" b="0" dirty="0">
+                <a:solidFill>
+                  <a:srgbClr val="2F2F2F"/>
+                </a:solidFill>
+              </a:rPr>
+              <a:t>as defined in manifest</a:t>
+            </a:r>
+            <a:r>
+              <a:rPr lang="en-US" b="0" dirty="0">
+                <a:solidFill>
+                  <a:srgbClr val="2F2F2F"/>
+                </a:solidFill>
+                <a:latin typeface="Segoe UI Symbol" panose="020B0502040204020203" pitchFamily="34" charset="0"/>
+                <a:ea typeface="Segoe UI Symbol" panose="020B0502040204020203" pitchFamily="34" charset="0"/>
+              </a:rPr>
+              <a:t>)</a:t>
+            </a:r>
+            <a:r>
+              <a:rPr lang="en-US" b="0" dirty="0">
+                <a:solidFill>
+                  <a:srgbClr val="2F2F2F"/>
+                </a:solidFill>
+              </a:rPr>
+              <a:t>.</a:t>
             </a:r>
           </a:p>
           <a:p>
@@ -16416,7 +16584,43 @@
                   <a:srgbClr val="2F2F2F"/>
                 </a:solidFill>
               </a:rPr>
-              <a:t>The dialog can display any page that is hosted securely (HTTPS).</a:t>
+              <a:t>The dialog can display any page that is hosted securely </a:t>
+            </a:r>
+            <a:r>
+              <a:rPr lang="en-US" b="0" dirty="0">
+                <a:solidFill>
+                  <a:srgbClr val="2F2F2F"/>
+                </a:solidFill>
+                <a:latin typeface="Segoe UI Symbol" panose="020B0502040204020203" pitchFamily="34" charset="0"/>
+                <a:ea typeface="Segoe UI Symbol" panose="020B0502040204020203" pitchFamily="34" charset="0"/>
+              </a:rPr>
+              <a:t>(</a:t>
+            </a:r>
+            <a:r>
+              <a:rPr lang="en-US" b="0" dirty="0">
+                <a:solidFill>
+                  <a:srgbClr val="2F2F2F"/>
+                </a:solidFill>
+              </a:rPr>
+              <a:t>HTTPS</a:t>
+            </a:r>
+            <a:r>
+              <a:rPr lang="en-US" b="0" dirty="0">
+                <a:solidFill>
+                  <a:srgbClr val="2F2F2F"/>
+                </a:solidFill>
+                <a:latin typeface="Segoe UI Symbol" panose="020B0502040204020203" pitchFamily="34" charset="0"/>
+                <a:ea typeface="Segoe UI Symbol" panose="020B0502040204020203" pitchFamily="34" charset="0"/>
+              </a:rPr>
+              <a:t>)</a:t>
+            </a:r>
+            <a:r>
+              <a:rPr lang="en-US" b="0" dirty="0">
+                <a:solidFill>
+                  <a:srgbClr val="2F2F2F"/>
+                </a:solidFill>
+              </a:rPr>
+              <a:t>.</a:t>
             </a:r>
             <a:endParaRPr lang="en-US" b="0" dirty="0">
               <a:solidFill>
@@ -16560,7 +16764,7 @@
         <p:spPr>
           <a:xfrm>
             <a:off x="465140" y="1915250"/>
-            <a:ext cx="4285718" cy="3330142"/>
+            <a:ext cx="4285718" cy="4216539"/>
           </a:xfrm>
           <a:prstGeom prst="rect">
             <a:avLst/>
@@ -16814,15 +17018,36 @@
             </a:pPr>
             <a:r>
               <a:rPr lang="en-US" sz="1600" dirty="0"/>
-              <a:t>The primary way to pass information to a dialog is through local storage (ex: </a:t>
-            </a:r>
-            <a:r>
-              <a:rPr lang="en-US" sz="1600" dirty="0" err="1"/>
+              <a:t>The primary way to pass information to a dialog is through local storage </a:t>
+            </a:r>
+            <a:r>
+              <a:rPr lang="en-US" sz="1600" dirty="0">
+                <a:latin typeface="Segoe UI Symbol" panose="020B0502040204020203" pitchFamily="34" charset="0"/>
+                <a:ea typeface="Segoe UI Symbol" panose="020B0502040204020203" pitchFamily="34" charset="0"/>
+              </a:rPr>
+              <a:t>(</a:t>
+            </a:r>
+            <a:r>
+              <a:rPr lang="en-US" sz="1600" dirty="0"/>
+              <a:t>ex: </a:t>
+            </a:r>
+            <a:r>
+              <a:rPr lang="en-US" sz="1600" dirty="0" err="1">
+                <a:latin typeface="Courier New" panose="02070309020205020404" pitchFamily="49" charset="0"/>
+                <a:cs typeface="Courier New" panose="02070309020205020404" pitchFamily="49" charset="0"/>
+              </a:rPr>
               <a:t>window.localStorage</a:t>
             </a:r>
             <a:r>
+              <a:rPr lang="en-US" sz="1600" dirty="0">
+                <a:latin typeface="Segoe UI Symbol" panose="020B0502040204020203" pitchFamily="34" charset="0"/>
+                <a:ea typeface="Segoe UI Symbol" panose="020B0502040204020203" pitchFamily="34" charset="0"/>
+              </a:rPr>
+              <a:t>)</a:t>
+            </a:r>
+            <a:r>
               <a:rPr lang="en-US" sz="1600" dirty="0"/>
-              <a:t>) or URL parameters in the dialog URL.</a:t>
+              <a:t> or URL parameters in the dialog URL.</a:t>
             </a:r>
           </a:p>
           <a:p>
@@ -16842,7 +17067,8 @@
             </a:r>
             <a:r>
               <a:rPr lang="en-US" sz="1600" dirty="0" err="1">
-                <a:latin typeface="+mj-lt"/>
+                <a:latin typeface="Courier New" panose="02070309020205020404" pitchFamily="49" charset="0"/>
+                <a:cs typeface="Courier New" panose="02070309020205020404" pitchFamily="49" charset="0"/>
               </a:rPr>
               <a:t>Office.context.ui.messageParent</a:t>
             </a:r>
@@ -16870,7 +17096,8 @@
             </a:r>
             <a:r>
               <a:rPr lang="en-US" sz="1600" dirty="0" err="1">
-                <a:latin typeface="+mj-lt"/>
+                <a:latin typeface="Courier New" panose="02070309020205020404" pitchFamily="49" charset="0"/>
+                <a:cs typeface="Courier New" panose="02070309020205020404" pitchFamily="49" charset="0"/>
               </a:rPr>
               <a:t>messageParent</a:t>
             </a:r>
@@ -16878,7 +17105,33 @@
               <a:rPr lang="en-US" sz="1600" dirty="0">
                 <a:latin typeface="+mj-lt"/>
               </a:rPr>
-              <a:t> function can only be called on a page with the same domain (including protocol and port) as the host page.</a:t>
+              <a:t> function can only be called on a page with the same domain </a:t>
+            </a:r>
+            <a:r>
+              <a:rPr lang="en-US" sz="1600" dirty="0">
+                <a:latin typeface="Segoe UI Symbol" panose="020B0502040204020203" pitchFamily="34" charset="0"/>
+                <a:ea typeface="Segoe UI Symbol" panose="020B0502040204020203" pitchFamily="34" charset="0"/>
+              </a:rPr>
+              <a:t>(</a:t>
+            </a:r>
+            <a:r>
+              <a:rPr lang="en-US" sz="1600" dirty="0">
+                <a:latin typeface="+mj-lt"/>
+              </a:rPr>
+              <a:t>including protocol and port</a:t>
+            </a:r>
+            <a:r>
+              <a:rPr lang="en-US" sz="1600" dirty="0">
+                <a:latin typeface="Segoe UI Symbol" panose="020B0502040204020203" pitchFamily="34" charset="0"/>
+                <a:ea typeface="Segoe UI Symbol" panose="020B0502040204020203" pitchFamily="34" charset="0"/>
+              </a:rPr>
+              <a:t>)</a:t>
+            </a:r>
+            <a:r>
+              <a:rPr lang="en-US" sz="1600" dirty="0">
+                <a:latin typeface="+mj-lt"/>
+              </a:rPr>
+              <a:t> as the host page.</a:t>
             </a:r>
           </a:p>
           <a:p>
@@ -16898,7 +17151,8 @@
             </a:r>
             <a:r>
               <a:rPr lang="en-US" sz="1600" dirty="0" err="1">
-                <a:latin typeface="+mj-lt"/>
+                <a:latin typeface="Courier New" panose="02070309020205020404" pitchFamily="49" charset="0"/>
+                <a:cs typeface="Courier New" panose="02070309020205020404" pitchFamily="49" charset="0"/>
               </a:rPr>
               <a:t>DialogMessageReceived</a:t>
             </a:r>
